--- a/Data Curation Project/Data Curation Project.pptx
+++ b/Data Curation Project/Data Curation Project.pptx
@@ -14,11 +14,12 @@
     <p:sldId id="260" r:id="rId8"/>
     <p:sldId id="264" r:id="rId9"/>
     <p:sldId id="261" r:id="rId10"/>
-    <p:sldId id="265" r:id="rId11"/>
-    <p:sldId id="266" r:id="rId12"/>
-    <p:sldId id="267" r:id="rId13"/>
-    <p:sldId id="262" r:id="rId14"/>
-    <p:sldId id="268" r:id="rId15"/>
+    <p:sldId id="270" r:id="rId11"/>
+    <p:sldId id="265" r:id="rId12"/>
+    <p:sldId id="266" r:id="rId13"/>
+    <p:sldId id="267" r:id="rId14"/>
+    <p:sldId id="262" r:id="rId15"/>
+    <p:sldId id="268" r:id="rId16"/>
   </p:sldIdLst>
   <p:sldSz cx="12192000" cy="6858000"/>
   <p:notesSz cx="6858000" cy="9144000"/>
@@ -128,6 +129,8 @@
 <file path=ppt/revisionInfo.xml><?xml version="1.0" encoding="utf-8"?>
 <p1510:revInfo xmlns:a="http://schemas.openxmlformats.org/drawingml/2006/main" xmlns:r="http://schemas.openxmlformats.org/officeDocument/2006/relationships" xmlns:p1510="http://schemas.microsoft.com/office/powerpoint/2015/10/main">
   <p1510:revLst>
+    <p1510:client id="{146964EE-7491-067E-2290-2267E7EDB2FA}" v="4" dt="2023-11-30T20:41:25.473"/>
+    <p1510:client id="{6E312D14-BF71-02F5-26B3-6AFB87156EF1}" v="11" dt="2023-11-30T20:10:37.139"/>
     <p1510:client id="{743A7502-F00F-5958-1984-8A12C46F6E88}" v="45" dt="2023-11-30T05:21:25.874"/>
     <p1510:client id="{879795DE-B80E-22F9-E042-5CAE5F9A0E84}" v="2" dt="2023-11-30T04:36:08.104"/>
     <p1510:client id="{A06F13B8-87BA-C998-FD94-4E9F444511EF}" v="15" dt="2023-11-30T05:44:41.132"/>
@@ -345,7 +348,7 @@
           <a:p>
             <a:fld id="{C485584D-7D79-4248-9986-4CA35242F944}" type="datetimeFigureOut">
               <a:rPr lang="en-US" smtClean="0"/>
-              <a:t>11/29/2023</a:t>
+              <a:t>11/30/2023</a:t>
             </a:fld>
             <a:endParaRPr lang="en-US"/>
           </a:p>
@@ -719,7 +722,7 @@
           <a:p>
             <a:fld id="{C485584D-7D79-4248-9986-4CA35242F944}" type="datetimeFigureOut">
               <a:rPr lang="en-US" smtClean="0"/>
-              <a:t>11/29/2023</a:t>
+              <a:t>11/30/2023</a:t>
             </a:fld>
             <a:endParaRPr lang="en-US"/>
           </a:p>
@@ -927,7 +930,7 @@
           <a:p>
             <a:fld id="{C485584D-7D79-4248-9986-4CA35242F944}" type="datetimeFigureOut">
               <a:rPr lang="en-US" smtClean="0"/>
-              <a:t>11/29/2023</a:t>
+              <a:t>11/30/2023</a:t>
             </a:fld>
             <a:endParaRPr lang="en-US"/>
           </a:p>
@@ -1125,7 +1128,7 @@
           <a:p>
             <a:fld id="{C485584D-7D79-4248-9986-4CA35242F944}" type="datetimeFigureOut">
               <a:rPr lang="en-US" smtClean="0"/>
-              <a:t>11/29/2023</a:t>
+              <a:t>11/30/2023</a:t>
             </a:fld>
             <a:endParaRPr lang="en-US"/>
           </a:p>
@@ -1238,7 +1241,7 @@
           <a:p>
             <a:fld id="{C485584D-7D79-4248-9986-4CA35242F944}" type="datetimeFigureOut">
               <a:rPr lang="en-US" smtClean="0"/>
-              <a:t>11/29/2023</a:t>
+              <a:t>11/30/2023</a:t>
             </a:fld>
             <a:endParaRPr lang="en-US"/>
           </a:p>
@@ -1974,7 +1977,7 @@
           <a:p>
             <a:fld id="{C485584D-7D79-4248-9986-4CA35242F944}" type="datetimeFigureOut">
               <a:rPr lang="en-US" smtClean="0"/>
-              <a:t>11/29/2023</a:t>
+              <a:t>11/30/2023</a:t>
             </a:fld>
             <a:endParaRPr lang="en-US"/>
           </a:p>
@@ -2390,7 +2393,7 @@
           <a:p>
             <a:fld id="{C485584D-7D79-4248-9986-4CA35242F944}" type="datetimeFigureOut">
               <a:rPr lang="en-US" smtClean="0"/>
-              <a:t>11/29/2023</a:t>
+              <a:t>11/30/2023</a:t>
             </a:fld>
             <a:endParaRPr lang="en-US"/>
           </a:p>
@@ -2531,7 +2534,7 @@
           <a:p>
             <a:fld id="{C485584D-7D79-4248-9986-4CA35242F944}" type="datetimeFigureOut">
               <a:rPr lang="en-US" smtClean="0"/>
-              <a:t>11/29/2023</a:t>
+              <a:t>11/30/2023</a:t>
             </a:fld>
             <a:endParaRPr lang="en-US"/>
           </a:p>
@@ -2644,7 +2647,7 @@
           <a:p>
             <a:fld id="{C485584D-7D79-4248-9986-4CA35242F944}" type="datetimeFigureOut">
               <a:rPr lang="en-US" smtClean="0"/>
-              <a:t>11/29/2023</a:t>
+              <a:t>11/30/2023</a:t>
             </a:fld>
             <a:endParaRPr lang="en-US"/>
           </a:p>
@@ -2955,7 +2958,7 @@
           <a:p>
             <a:fld id="{C485584D-7D79-4248-9986-4CA35242F944}" type="datetimeFigureOut">
               <a:rPr lang="en-US" smtClean="0"/>
-              <a:t>11/29/2023</a:t>
+              <a:t>11/30/2023</a:t>
             </a:fld>
             <a:endParaRPr lang="en-US"/>
           </a:p>
@@ -3246,7 +3249,7 @@
           <a:p>
             <a:fld id="{C485584D-7D79-4248-9986-4CA35242F944}" type="datetimeFigureOut">
               <a:rPr lang="en-US" smtClean="0"/>
-              <a:t>11/29/2023</a:t>
+              <a:t>11/30/2023</a:t>
             </a:fld>
             <a:endParaRPr lang="en-US"/>
           </a:p>
@@ -3530,7 +3533,7 @@
           <a:p>
             <a:fld id="{C485584D-7D79-4248-9986-4CA35242F944}" type="datetimeFigureOut">
               <a:rPr lang="en-US" smtClean="0"/>
-              <a:t>11/29/2023</a:t>
+              <a:t>11/30/2023</a:t>
             </a:fld>
             <a:endParaRPr lang="en-US"/>
           </a:p>
@@ -4422,10 +4425,9 @@
               </a:lnSpc>
             </a:pPr>
             <a:r>
-              <a:rPr lang="en-US" dirty="0"/>
+              <a:rPr lang="en-US"/>
               <a:t>Team members: </a:t>
             </a:r>
-            <a:endParaRPr lang="en-US"/>
           </a:p>
           <a:p>
             <a:pPr>
@@ -4434,27 +4436,27 @@
               </a:lnSpc>
             </a:pPr>
             <a:r>
-              <a:rPr lang="en-US" dirty="0"/>
+              <a:rPr lang="en-US"/>
               <a:t>Satya </a:t>
             </a:r>
             <a:r>
-              <a:rPr lang="en-US" dirty="0" err="1"/>
+              <a:rPr lang="en-US" err="1"/>
               <a:t>Nandikeswara</a:t>
             </a:r>
             <a:r>
-              <a:rPr lang="en-US" dirty="0"/>
+              <a:rPr lang="en-US"/>
               <a:t> </a:t>
             </a:r>
             <a:r>
-              <a:rPr lang="en-US" dirty="0" err="1"/>
+              <a:rPr lang="en-US" err="1"/>
               <a:t>rao</a:t>
             </a:r>
             <a:r>
-              <a:rPr lang="en-US" dirty="0"/>
+              <a:rPr lang="en-US"/>
               <a:t> Chinta</a:t>
             </a:r>
             <a:r>
-              <a:rPr lang="en-US" dirty="0">
+              <a:rPr lang="en-US">
                 <a:ea typeface="+mn-lt"/>
                 <a:cs typeface="+mn-lt"/>
               </a:rPr>
@@ -4468,23 +4470,23 @@
               </a:lnSpc>
             </a:pPr>
             <a:r>
-              <a:rPr lang="en-US" dirty="0" err="1"/>
+              <a:rPr lang="en-US" err="1"/>
               <a:t>Bavith</a:t>
             </a:r>
             <a:r>
-              <a:rPr lang="en-US" dirty="0"/>
+              <a:rPr lang="en-US"/>
               <a:t> Kumar Reddy </a:t>
             </a:r>
             <a:r>
-              <a:rPr lang="en-US" dirty="0" err="1"/>
+              <a:rPr lang="en-US" err="1"/>
               <a:t>Komtireddy</a:t>
             </a:r>
             <a:r>
-              <a:rPr lang="en-US" dirty="0"/>
+              <a:rPr lang="en-US"/>
               <a:t>,</a:t>
             </a:r>
             <a:r>
-              <a:rPr lang="en-US" dirty="0">
+              <a:rPr lang="en-US">
                 <a:ea typeface="+mn-lt"/>
                 <a:cs typeface="+mn-lt"/>
               </a:rPr>
@@ -4752,6 +4754,95 @@
           <a:chExt cx="0" cy="0"/>
         </a:xfrm>
       </p:grpSpPr>
+      <p:pic>
+        <p:nvPicPr>
+          <p:cNvPr id="4" name="Content Placeholder 3" descr="A screenshot of a computer screen&#10;&#10;Description automatically generated">
+            <a:extLst>
+              <a:ext uri="{FF2B5EF4-FFF2-40B4-BE49-F238E27FC236}">
+                <a16:creationId xmlns:a16="http://schemas.microsoft.com/office/drawing/2014/main" id="{D9E8FBEB-022C-F9E4-9F5E-D77430C97E3C}"/>
+              </a:ext>
+            </a:extLst>
+          </p:cNvPr>
+          <p:cNvPicPr>
+            <a:picLocks noGrp="1" noChangeAspect="1"/>
+          </p:cNvPicPr>
+          <p:nvPr>
+            <p:ph idx="1"/>
+          </p:nvPr>
+        </p:nvPicPr>
+        <p:blipFill>
+          <a:blip r:embed="rId2"/>
+          <a:stretch>
+            <a:fillRect/>
+          </a:stretch>
+        </p:blipFill>
+        <p:spPr>
+          <a:xfrm>
+            <a:off x="1075340" y="2171196"/>
+            <a:ext cx="4335612" cy="3969342"/>
+          </a:xfrm>
+        </p:spPr>
+      </p:pic>
+      <p:pic>
+        <p:nvPicPr>
+          <p:cNvPr id="5" name="Picture 4" descr="A screenshot of a computer screen&#10;&#10;Description automatically generated">
+            <a:extLst>
+              <a:ext uri="{FF2B5EF4-FFF2-40B4-BE49-F238E27FC236}">
+                <a16:creationId xmlns:a16="http://schemas.microsoft.com/office/drawing/2014/main" id="{376A26E6-5D33-2FDA-7D9C-3D5517BAC26F}"/>
+              </a:ext>
+            </a:extLst>
+          </p:cNvPr>
+          <p:cNvPicPr>
+            <a:picLocks noChangeAspect="1"/>
+          </p:cNvPicPr>
+          <p:nvPr/>
+        </p:nvPicPr>
+        <p:blipFill>
+          <a:blip r:embed="rId3"/>
+          <a:stretch>
+            <a:fillRect/>
+          </a:stretch>
+        </p:blipFill>
+        <p:spPr>
+          <a:xfrm>
+            <a:off x="6625451" y="2067748"/>
+            <a:ext cx="2685245" cy="4114800"/>
+          </a:xfrm>
+          <a:prstGeom prst="rect">
+            <a:avLst/>
+          </a:prstGeom>
+        </p:spPr>
+      </p:pic>
+    </p:spTree>
+    <p:extLst>
+      <p:ext uri="{BB962C8B-B14F-4D97-AF65-F5344CB8AC3E}">
+        <p14:creationId xmlns:p14="http://schemas.microsoft.com/office/powerpoint/2010/main" val="1215032989"/>
+      </p:ext>
+    </p:extLst>
+  </p:cSld>
+  <p:clrMapOvr>
+    <a:masterClrMapping/>
+  </p:clrMapOvr>
+</p:sld>
+</file>
+
+<file path=ppt/slides/slide11.xml><?xml version="1.0" encoding="utf-8"?>
+<p:sld xmlns:a="http://schemas.openxmlformats.org/drawingml/2006/main" xmlns:r="http://schemas.openxmlformats.org/officeDocument/2006/relationships" xmlns:p="http://schemas.openxmlformats.org/presentationml/2006/main">
+  <p:cSld>
+    <p:spTree>
+      <p:nvGrpSpPr>
+        <p:cNvPr id="1" name=""/>
+        <p:cNvGrpSpPr/>
+        <p:nvPr/>
+      </p:nvGrpSpPr>
+      <p:grpSpPr>
+        <a:xfrm>
+          <a:off x="0" y="0"/>
+          <a:ext cx="0" cy="0"/>
+          <a:chOff x="0" y="0"/>
+          <a:chExt cx="0" cy="0"/>
+        </a:xfrm>
+      </p:grpSpPr>
       <p:sp>
         <p:nvSpPr>
           <p:cNvPr id="2" name="Title 1">
@@ -4808,7 +4899,7 @@
               <a:buChar char="•"/>
             </a:pPr>
             <a:r>
-              <a:rPr lang="en-US" dirty="0"/>
+              <a:rPr lang="en-US"/>
               <a:t>We proposed to extract Requirement and skills field from the Job Description column, but the description was different for each row and was tough to extract useful data. So, we decided on dropping the column for now.</a:t>
             </a:r>
           </a:p>
@@ -4818,7 +4909,7 @@
               <a:buChar char="•"/>
             </a:pPr>
             <a:r>
-              <a:rPr lang="en-US" dirty="0"/>
+              <a:rPr lang="en-US"/>
               <a:t>Size of employees has a field where the employee number was 10000+ and unknown values were represented as –1. So, instead of making the number of employees to int we kept them as string and gave the max employee value for each row and unknown in place of –1.</a:t>
             </a:r>
           </a:p>
@@ -4828,15 +4919,15 @@
               <a:buChar char="•"/>
             </a:pPr>
             <a:r>
-              <a:rPr lang="en-US" dirty="0"/>
+              <a:rPr lang="en-US"/>
               <a:t>Similarly, for revenue we have kept it as string but added extra column </a:t>
             </a:r>
             <a:r>
-              <a:rPr lang="en-US" dirty="0" err="1"/>
+              <a:rPr lang="en-US" err="1"/>
               <a:t>revenue_average</a:t>
             </a:r>
             <a:r>
-              <a:rPr lang="en-US" dirty="0"/>
+              <a:rPr lang="en-US"/>
               <a:t> as int with average of revenue.</a:t>
             </a:r>
           </a:p>
@@ -4855,7 +4946,7 @@
 </p:sld>
 </file>
 
-<file path=ppt/slides/slide11.xml><?xml version="1.0" encoding="utf-8"?>
+<file path=ppt/slides/slide12.xml><?xml version="1.0" encoding="utf-8"?>
 <p:sld xmlns:a="http://schemas.openxmlformats.org/drawingml/2006/main" xmlns:r="http://schemas.openxmlformats.org/officeDocument/2006/relationships" xmlns:p="http://schemas.openxmlformats.org/presentationml/2006/main">
   <p:cSld>
     <p:spTree>
@@ -4974,258 +5065,6 @@
 </p:sld>
 </file>
 
-<file path=ppt/slides/slide12.xml><?xml version="1.0" encoding="utf-8"?>
-<p:sld xmlns:a="http://schemas.openxmlformats.org/drawingml/2006/main" xmlns:r="http://schemas.openxmlformats.org/officeDocument/2006/relationships" xmlns:p="http://schemas.openxmlformats.org/presentationml/2006/main">
-  <p:cSld>
-    <p:spTree>
-      <p:nvGrpSpPr>
-        <p:cNvPr id="1" name=""/>
-        <p:cNvGrpSpPr/>
-        <p:nvPr/>
-      </p:nvGrpSpPr>
-      <p:grpSpPr>
-        <a:xfrm>
-          <a:off x="0" y="0"/>
-          <a:ext cx="0" cy="0"/>
-          <a:chOff x="0" y="0"/>
-          <a:chExt cx="0" cy="0"/>
-        </a:xfrm>
-      </p:grpSpPr>
-      <p:sp>
-        <p:nvSpPr>
-          <p:cNvPr id="2" name="Title 1">
-            <a:extLst>
-              <a:ext uri="{FF2B5EF4-FFF2-40B4-BE49-F238E27FC236}">
-                <a16:creationId xmlns:a16="http://schemas.microsoft.com/office/drawing/2014/main" id="{154C6FD2-DF4C-EA38-7969-AE74631F3525}"/>
-              </a:ext>
-            </a:extLst>
-          </p:cNvPr>
-          <p:cNvSpPr>
-            <a:spLocks noGrp="1"/>
-          </p:cNvSpPr>
-          <p:nvPr>
-            <p:ph type="title"/>
-          </p:nvPr>
-        </p:nvSpPr>
-        <p:spPr>
-          <a:xfrm>
-            <a:off x="1028700" y="723900"/>
-            <a:ext cx="10134600" cy="879611"/>
-          </a:xfrm>
-        </p:spPr>
-        <p:txBody>
-          <a:bodyPr/>
-          <a:lstStyle/>
-          <a:p>
-            <a:r>
-              <a:rPr lang="en-US"/>
-              <a:t>Conclusion</a:t>
-            </a:r>
-          </a:p>
-        </p:txBody>
-      </p:sp>
-      <p:sp>
-        <p:nvSpPr>
-          <p:cNvPr id="3" name="Content Placeholder 2">
-            <a:extLst>
-              <a:ext uri="{FF2B5EF4-FFF2-40B4-BE49-F238E27FC236}">
-                <a16:creationId xmlns:a16="http://schemas.microsoft.com/office/drawing/2014/main" id="{C29F529B-A12F-A105-DFF6-63462F55B82F}"/>
-              </a:ext>
-            </a:extLst>
-          </p:cNvPr>
-          <p:cNvSpPr>
-            <a:spLocks noGrp="1"/>
-          </p:cNvSpPr>
-          <p:nvPr>
-            <p:ph idx="1"/>
-          </p:nvPr>
-        </p:nvSpPr>
-        <p:spPr>
-          <a:xfrm>
-            <a:off x="1028700" y="1873830"/>
-            <a:ext cx="10134600" cy="2909977"/>
-          </a:xfrm>
-        </p:spPr>
-        <p:txBody>
-          <a:bodyPr vert="horz" lIns="91440" tIns="45720" rIns="91440" bIns="45720" rtlCol="0" anchor="t">
-            <a:normAutofit/>
-          </a:bodyPr>
-          <a:lstStyle/>
-          <a:p>
-            <a:pPr algn="l">
-              <a:buFont typeface="+mj-lt"/>
-              <a:buAutoNum type="arabicPeriod"/>
-            </a:pPr>
-            <a:r>
-              <a:rPr lang="en-US" sz="1800" b="1" i="0" dirty="0">
-                <a:solidFill>
-                  <a:schemeClr val="tx1"/>
-                </a:solidFill>
-                <a:effectLst/>
-                <a:latin typeface="Söhne"/>
-              </a:rPr>
-              <a:t>Insightful Exploration:</a:t>
-            </a:r>
-            <a:endParaRPr lang="en-US" sz="1800" b="0" i="0" dirty="0">
-              <a:solidFill>
-                <a:schemeClr val="tx1"/>
-              </a:solidFill>
-              <a:effectLst/>
-              <a:latin typeface="Söhne"/>
-            </a:endParaRPr>
-          </a:p>
-          <a:p>
-            <a:pPr marL="457200" lvl="1" indent="0" algn="l">
-              <a:buNone/>
-            </a:pPr>
-            <a:r>
-              <a:rPr lang="en-US" sz="1600" b="0" i="0">
-                <a:solidFill>
-                  <a:schemeClr val="tx1"/>
-                </a:solidFill>
-                <a:effectLst/>
-                <a:latin typeface="Söhne"/>
-              </a:rPr>
-              <a:t>Our analysis delved into the nuances of data science job postings, offering valuable insights into industry trends and demands.</a:t>
-            </a:r>
-            <a:endParaRPr lang="en-US" sz="1600" b="0" i="0" dirty="0">
-              <a:solidFill>
-                <a:schemeClr val="tx1"/>
-              </a:solidFill>
-              <a:effectLst/>
-              <a:latin typeface="Söhne"/>
-            </a:endParaRPr>
-          </a:p>
-          <a:p>
-            <a:pPr algn="l">
-              <a:buFont typeface="+mj-lt"/>
-              <a:buAutoNum type="arabicPeriod"/>
-            </a:pPr>
-            <a:r>
-              <a:rPr lang="en-US" sz="1800" b="1" i="0" dirty="0">
-                <a:solidFill>
-                  <a:schemeClr val="tx1"/>
-                </a:solidFill>
-                <a:effectLst/>
-                <a:latin typeface="Söhne"/>
-              </a:rPr>
-              <a:t>Data Quality Challenges Addressed:</a:t>
-            </a:r>
-            <a:endParaRPr lang="en-US" sz="1800" b="0" i="0" dirty="0">
-              <a:solidFill>
-                <a:schemeClr val="tx1"/>
-              </a:solidFill>
-              <a:effectLst/>
-              <a:latin typeface="Söhne"/>
-            </a:endParaRPr>
-          </a:p>
-          <a:p>
-            <a:pPr marL="457200" lvl="1" indent="0" algn="l">
-              <a:buNone/>
-            </a:pPr>
-            <a:r>
-              <a:rPr lang="en-US" sz="1600" b="0" i="0">
-                <a:solidFill>
-                  <a:schemeClr val="tx1"/>
-                </a:solidFill>
-                <a:effectLst/>
-                <a:latin typeface="Söhne"/>
-              </a:rPr>
-              <a:t>Through robust methodologies and tools like Pandas, NumPy</a:t>
-            </a:r>
-            <a:r>
-              <a:rPr lang="en-US" sz="1600">
-                <a:solidFill>
-                  <a:schemeClr val="tx1"/>
-                </a:solidFill>
-                <a:latin typeface="Söhne"/>
-              </a:rPr>
-              <a:t>,</a:t>
-            </a:r>
-            <a:r>
-              <a:rPr lang="en-US" sz="1600" b="0" i="0">
-                <a:solidFill>
-                  <a:schemeClr val="tx1"/>
-                </a:solidFill>
-                <a:effectLst/>
-                <a:latin typeface="Söhne"/>
-              </a:rPr>
-              <a:t> and the Vizier Notebook, we </a:t>
-            </a:r>
-            <a:r>
-              <a:rPr lang="en-US" sz="1600" b="0" i="0" dirty="0">
-                <a:solidFill>
-                  <a:schemeClr val="tx1"/>
-                </a:solidFill>
-                <a:effectLst/>
-                <a:latin typeface="Söhne"/>
-              </a:rPr>
-              <a:t>navigated and addressed various data quality challenges.</a:t>
-            </a:r>
-          </a:p>
-          <a:p>
-            <a:pPr algn="l">
-              <a:buFont typeface="+mj-lt"/>
-              <a:buAutoNum type="arabicPeriod"/>
-            </a:pPr>
-            <a:r>
-              <a:rPr lang="en-US" sz="1800" b="1" i="0" dirty="0">
-                <a:solidFill>
-                  <a:schemeClr val="tx1"/>
-                </a:solidFill>
-                <a:effectLst/>
-                <a:latin typeface="Söhne"/>
-              </a:rPr>
-              <a:t>Reliability of Findings:</a:t>
-            </a:r>
-            <a:endParaRPr lang="en-US" sz="1800" b="0" i="0" dirty="0">
-              <a:solidFill>
-                <a:schemeClr val="tx1"/>
-              </a:solidFill>
-              <a:effectLst/>
-              <a:latin typeface="Söhne"/>
-            </a:endParaRPr>
-          </a:p>
-          <a:p>
-            <a:pPr marL="457200" lvl="1" indent="0" algn="l">
-              <a:buNone/>
-            </a:pPr>
-            <a:r>
-              <a:rPr lang="en-US" sz="1600" b="0" i="0" dirty="0">
-                <a:solidFill>
-                  <a:schemeClr val="tx1"/>
-                </a:solidFill>
-                <a:effectLst/>
-                <a:latin typeface="Söhne"/>
-              </a:rPr>
-              <a:t>By mitigating missing values, inconsistencies, we ensured the reliability and accuracy of our findings.</a:t>
-            </a:r>
-          </a:p>
-          <a:p>
-            <a:pPr algn="l"/>
-            <a:endParaRPr lang="en-US" b="1" i="0" dirty="0">
-              <a:solidFill>
-                <a:schemeClr val="tx1"/>
-              </a:solidFill>
-              <a:effectLst/>
-              <a:latin typeface="Söhne"/>
-            </a:endParaRPr>
-          </a:p>
-        </p:txBody>
-      </p:sp>
-    </p:spTree>
-    <p:extLst>
-      <p:ext uri="{BB962C8B-B14F-4D97-AF65-F5344CB8AC3E}">
-        <p14:creationId xmlns:p14="http://schemas.microsoft.com/office/powerpoint/2010/main" val="3056032367"/>
-      </p:ext>
-    </p:extLst>
-  </p:cSld>
-  <p:clrMapOvr>
-    <a:masterClrMapping/>
-  </p:clrMapOvr>
-</p:sld>
-</file>
-
 <file path=ppt/slides/slide13.xml><?xml version="1.0" encoding="utf-8"?>
 <p:sld xmlns:a="http://schemas.openxmlformats.org/drawingml/2006/main" xmlns:r="http://schemas.openxmlformats.org/officeDocument/2006/relationships" xmlns:p="http://schemas.openxmlformats.org/presentationml/2006/main">
   <p:cSld>
@@ -5248,6 +5087,241 @@
           <p:cNvPr id="2" name="Title 1">
             <a:extLst>
               <a:ext uri="{FF2B5EF4-FFF2-40B4-BE49-F238E27FC236}">
+                <a16:creationId xmlns:a16="http://schemas.microsoft.com/office/drawing/2014/main" id="{154C6FD2-DF4C-EA38-7969-AE74631F3525}"/>
+              </a:ext>
+            </a:extLst>
+          </p:cNvPr>
+          <p:cNvSpPr>
+            <a:spLocks noGrp="1"/>
+          </p:cNvSpPr>
+          <p:nvPr>
+            <p:ph type="title"/>
+          </p:nvPr>
+        </p:nvSpPr>
+        <p:spPr>
+          <a:xfrm>
+            <a:off x="1028700" y="723900"/>
+            <a:ext cx="10134600" cy="879611"/>
+          </a:xfrm>
+        </p:spPr>
+        <p:txBody>
+          <a:bodyPr/>
+          <a:lstStyle/>
+          <a:p>
+            <a:r>
+              <a:rPr lang="en-US"/>
+              <a:t>Conclusion</a:t>
+            </a:r>
+          </a:p>
+        </p:txBody>
+      </p:sp>
+      <p:sp>
+        <p:nvSpPr>
+          <p:cNvPr id="3" name="Content Placeholder 2">
+            <a:extLst>
+              <a:ext uri="{FF2B5EF4-FFF2-40B4-BE49-F238E27FC236}">
+                <a16:creationId xmlns:a16="http://schemas.microsoft.com/office/drawing/2014/main" id="{C29F529B-A12F-A105-DFF6-63462F55B82F}"/>
+              </a:ext>
+            </a:extLst>
+          </p:cNvPr>
+          <p:cNvSpPr>
+            <a:spLocks noGrp="1"/>
+          </p:cNvSpPr>
+          <p:nvPr>
+            <p:ph idx="1"/>
+          </p:nvPr>
+        </p:nvSpPr>
+        <p:spPr>
+          <a:xfrm>
+            <a:off x="1028700" y="1873830"/>
+            <a:ext cx="10134600" cy="2909977"/>
+          </a:xfrm>
+        </p:spPr>
+        <p:txBody>
+          <a:bodyPr vert="horz" lIns="91440" tIns="45720" rIns="91440" bIns="45720" rtlCol="0" anchor="t">
+            <a:normAutofit/>
+          </a:bodyPr>
+          <a:lstStyle/>
+          <a:p>
+            <a:pPr algn="l">
+              <a:buFont typeface="+mj-lt"/>
+              <a:buAutoNum type="arabicPeriod"/>
+            </a:pPr>
+            <a:r>
+              <a:rPr lang="en-US" sz="1800" b="1" i="0">
+                <a:solidFill>
+                  <a:schemeClr val="tx1"/>
+                </a:solidFill>
+                <a:effectLst/>
+                <a:latin typeface="Söhne"/>
+              </a:rPr>
+              <a:t>Insightful Exploration:</a:t>
+            </a:r>
+            <a:endParaRPr lang="en-US" sz="1800" b="0" i="0">
+              <a:solidFill>
+                <a:schemeClr val="tx1"/>
+              </a:solidFill>
+              <a:effectLst/>
+              <a:latin typeface="Söhne"/>
+            </a:endParaRPr>
+          </a:p>
+          <a:p>
+            <a:pPr marL="457200" lvl="1" indent="0" algn="l">
+              <a:buNone/>
+            </a:pPr>
+            <a:r>
+              <a:rPr lang="en-US" sz="1600" b="0" i="0">
+                <a:solidFill>
+                  <a:schemeClr val="tx1"/>
+                </a:solidFill>
+                <a:effectLst/>
+                <a:latin typeface="Söhne"/>
+              </a:rPr>
+              <a:t>Our analysis delved into the nuances of data science job postings, offering valuable insights into industry trends and demands.</a:t>
+            </a:r>
+          </a:p>
+          <a:p>
+            <a:pPr algn="l">
+              <a:buFont typeface="+mj-lt"/>
+              <a:buAutoNum type="arabicPeriod"/>
+            </a:pPr>
+            <a:r>
+              <a:rPr lang="en-US" sz="1800" b="1" i="0">
+                <a:solidFill>
+                  <a:schemeClr val="tx1"/>
+                </a:solidFill>
+                <a:effectLst/>
+                <a:latin typeface="Söhne"/>
+              </a:rPr>
+              <a:t>Data Quality Challenges Addressed:</a:t>
+            </a:r>
+            <a:endParaRPr lang="en-US" sz="1800" b="0" i="0">
+              <a:solidFill>
+                <a:schemeClr val="tx1"/>
+              </a:solidFill>
+              <a:effectLst/>
+              <a:latin typeface="Söhne"/>
+            </a:endParaRPr>
+          </a:p>
+          <a:p>
+            <a:pPr marL="457200" lvl="1" indent="0" algn="l">
+              <a:buNone/>
+            </a:pPr>
+            <a:r>
+              <a:rPr lang="en-US" sz="1600" b="0" i="0">
+                <a:solidFill>
+                  <a:schemeClr val="tx1"/>
+                </a:solidFill>
+                <a:effectLst/>
+                <a:latin typeface="Söhne"/>
+              </a:rPr>
+              <a:t>Through robust methodologies and tools like Pandas, NumPy</a:t>
+            </a:r>
+            <a:r>
+              <a:rPr lang="en-US" sz="1600">
+                <a:solidFill>
+                  <a:schemeClr val="tx1"/>
+                </a:solidFill>
+                <a:latin typeface="Söhne"/>
+              </a:rPr>
+              <a:t>,</a:t>
+            </a:r>
+            <a:r>
+              <a:rPr lang="en-US" sz="1600" b="0" i="0">
+                <a:solidFill>
+                  <a:schemeClr val="tx1"/>
+                </a:solidFill>
+                <a:effectLst/>
+                <a:latin typeface="Söhne"/>
+              </a:rPr>
+              <a:t> and the Vizier Notebook, we navigated and addressed various data quality challenges.</a:t>
+            </a:r>
+          </a:p>
+          <a:p>
+            <a:pPr algn="l">
+              <a:buFont typeface="+mj-lt"/>
+              <a:buAutoNum type="arabicPeriod"/>
+            </a:pPr>
+            <a:r>
+              <a:rPr lang="en-US" sz="1800" b="1" i="0">
+                <a:solidFill>
+                  <a:schemeClr val="tx1"/>
+                </a:solidFill>
+                <a:effectLst/>
+                <a:latin typeface="Söhne"/>
+              </a:rPr>
+              <a:t>Reliability of Findings:</a:t>
+            </a:r>
+            <a:endParaRPr lang="en-US" sz="1800" b="0" i="0">
+              <a:solidFill>
+                <a:schemeClr val="tx1"/>
+              </a:solidFill>
+              <a:effectLst/>
+              <a:latin typeface="Söhne"/>
+            </a:endParaRPr>
+          </a:p>
+          <a:p>
+            <a:pPr marL="457200" lvl="1" indent="0" algn="l">
+              <a:buNone/>
+            </a:pPr>
+            <a:r>
+              <a:rPr lang="en-US" sz="1600" b="0" i="0">
+                <a:solidFill>
+                  <a:schemeClr val="tx1"/>
+                </a:solidFill>
+                <a:effectLst/>
+                <a:latin typeface="Söhne"/>
+              </a:rPr>
+              <a:t>By mitigating missing values, inconsistencies, we ensured the reliability and accuracy of our findings.</a:t>
+            </a:r>
+          </a:p>
+          <a:p>
+            <a:pPr algn="l"/>
+            <a:endParaRPr lang="en-US" b="1" i="0">
+              <a:solidFill>
+                <a:schemeClr val="tx1"/>
+              </a:solidFill>
+              <a:effectLst/>
+              <a:latin typeface="Söhne"/>
+            </a:endParaRPr>
+          </a:p>
+        </p:txBody>
+      </p:sp>
+    </p:spTree>
+    <p:extLst>
+      <p:ext uri="{BB962C8B-B14F-4D97-AF65-F5344CB8AC3E}">
+        <p14:creationId xmlns:p14="http://schemas.microsoft.com/office/powerpoint/2010/main" val="3056032367"/>
+      </p:ext>
+    </p:extLst>
+  </p:cSld>
+  <p:clrMapOvr>
+    <a:masterClrMapping/>
+  </p:clrMapOvr>
+</p:sld>
+</file>
+
+<file path=ppt/slides/slide14.xml><?xml version="1.0" encoding="utf-8"?>
+<p:sld xmlns:a="http://schemas.openxmlformats.org/drawingml/2006/main" xmlns:r="http://schemas.openxmlformats.org/officeDocument/2006/relationships" xmlns:p="http://schemas.openxmlformats.org/presentationml/2006/main">
+  <p:cSld>
+    <p:spTree>
+      <p:nvGrpSpPr>
+        <p:cNvPr id="1" name=""/>
+        <p:cNvGrpSpPr/>
+        <p:nvPr/>
+      </p:nvGrpSpPr>
+      <p:grpSpPr>
+        <a:xfrm>
+          <a:off x="0" y="0"/>
+          <a:ext cx="0" cy="0"/>
+          <a:chOff x="0" y="0"/>
+          <a:chExt cx="0" cy="0"/>
+        </a:xfrm>
+      </p:grpSpPr>
+      <p:sp>
+        <p:nvSpPr>
+          <p:cNvPr id="2" name="Title 1">
+            <a:extLst>
+              <a:ext uri="{FF2B5EF4-FFF2-40B4-BE49-F238E27FC236}">
                 <a16:creationId xmlns:a16="http://schemas.microsoft.com/office/drawing/2014/main" id="{BFD4A8FE-A56F-78EC-C859-CF95A3E0B522}"/>
               </a:ext>
             </a:extLst>
@@ -5304,7 +5378,7 @@
               <a:t>Dataset: </a:t>
             </a:r>
             <a:r>
-              <a:rPr lang="en-US" dirty="0">
+              <a:rPr lang="en-US">
                 <a:hlinkClick r:id="rId2"/>
               </a:rPr>
               <a:t>https://www.kaggle.com/datasets/rashikrahmanpritom/data-science-job-posting-on-glassdoor/data?select=Uncleaned_DS_jobs.csv</a:t>
@@ -5313,13 +5387,13 @@
           </a:p>
           <a:p>
             <a:r>
-              <a:rPr lang="en-US" dirty="0">
+              <a:rPr lang="en-US">
                 <a:ea typeface="+mn-lt"/>
                 <a:cs typeface="+mn-lt"/>
               </a:rPr>
               <a:t>https://github.com/IITDBGroup/cs520/blob/master/vizier/README.md</a:t>
             </a:r>
-            <a:endParaRPr lang="en-US" dirty="0"/>
+            <a:endParaRPr lang="en-US"/>
           </a:p>
           <a:p>
             <a:endParaRPr lang="en-US"/>
@@ -5339,7 +5413,7 @@
 </p:sld>
 </file>
 
-<file path=ppt/slides/slide14.xml><?xml version="1.0" encoding="utf-8"?>
+<file path=ppt/slides/slide15.xml><?xml version="1.0" encoding="utf-8"?>
 <p:sld xmlns:a="http://schemas.openxmlformats.org/drawingml/2006/main" xmlns:r="http://schemas.openxmlformats.org/officeDocument/2006/relationships" xmlns:p="http://schemas.openxmlformats.org/presentationml/2006/main">
   <p:cSld>
     <p:bg>
@@ -8248,7 +8322,7 @@
               <a:buAutoNum type="arabicPeriod"/>
             </a:pPr>
             <a:r>
-              <a:rPr lang="en-US" b="0" i="0" dirty="0">
+              <a:rPr lang="en-US" b="0" i="0">
                 <a:effectLst/>
                 <a:latin typeface="Helvetica Neue"/>
               </a:rPr>
@@ -8261,35 +8335,35 @@
               <a:buAutoNum type="arabicPeriod"/>
             </a:pPr>
             <a:r>
-              <a:rPr lang="en-US" b="0" i="0" dirty="0">
+              <a:rPr lang="en-US" b="0" i="0">
                 <a:effectLst/>
                 <a:latin typeface="Helvetica Neue"/>
               </a:rPr>
               <a:t>Job Title name can be changed without space for easy manipulation. It can be divided into 2 columns as </a:t>
             </a:r>
             <a:r>
-              <a:rPr lang="en-US" b="0" i="0" dirty="0" err="1">
+              <a:rPr lang="en-US" b="0" i="0" err="1">
                 <a:effectLst/>
                 <a:latin typeface="Helvetica Neue"/>
               </a:rPr>
               <a:t>Job_sim</a:t>
             </a:r>
             <a:r>
-              <a:rPr lang="en-US" b="0" i="0" dirty="0">
+              <a:rPr lang="en-US" b="0" i="0">
                 <a:effectLst/>
                 <a:latin typeface="Helvetica Neue"/>
               </a:rPr>
               <a:t> and </a:t>
             </a:r>
             <a:r>
-              <a:rPr lang="en-US" b="0" i="0" dirty="0" err="1">
+              <a:rPr lang="en-US" b="0" i="0" err="1">
                 <a:effectLst/>
                 <a:latin typeface="Helvetica Neue"/>
               </a:rPr>
               <a:t>Job_level</a:t>
             </a:r>
             <a:r>
-              <a:rPr lang="en-US" b="0" i="0" dirty="0">
+              <a:rPr lang="en-US" b="0" i="0">
                 <a:effectLst/>
                 <a:latin typeface="Helvetica Neue"/>
               </a:rPr>
@@ -8302,63 +8376,63 @@
               <a:buAutoNum type="arabicPeriod"/>
             </a:pPr>
             <a:r>
-              <a:rPr lang="en-US" b="0" i="0" dirty="0">
+              <a:rPr lang="en-US" b="0" i="0">
                 <a:effectLst/>
                 <a:latin typeface="Helvetica Neue"/>
               </a:rPr>
               <a:t>Salary Estimation name can be changed without space for easy </a:t>
             </a:r>
             <a:r>
-              <a:rPr lang="en-US" b="0" i="0" dirty="0" err="1">
+              <a:rPr lang="en-US" b="0" i="0" err="1">
                 <a:effectLst/>
                 <a:latin typeface="Helvetica Neue"/>
               </a:rPr>
               <a:t>manipulation.It</a:t>
             </a:r>
             <a:r>
-              <a:rPr lang="en-US" b="0" i="0" dirty="0">
+              <a:rPr lang="en-US" b="0" i="0">
                 <a:effectLst/>
                 <a:latin typeface="Helvetica Neue"/>
               </a:rPr>
               <a:t> can be divided into 3 columns as </a:t>
             </a:r>
             <a:r>
-              <a:rPr lang="en-US" b="0" i="0" dirty="0" err="1">
+              <a:rPr lang="en-US" b="0" i="0" err="1">
                 <a:effectLst/>
                 <a:latin typeface="Helvetica Neue"/>
               </a:rPr>
               <a:t>min_salary</a:t>
             </a:r>
             <a:r>
-              <a:rPr lang="en-US" b="0" i="0" dirty="0">
+              <a:rPr lang="en-US" b="0" i="0">
                 <a:effectLst/>
                 <a:latin typeface="Helvetica Neue"/>
               </a:rPr>
               <a:t>, </a:t>
             </a:r>
             <a:r>
-              <a:rPr lang="en-US" b="0" i="0" dirty="0" err="1">
+              <a:rPr lang="en-US" b="0" i="0" err="1">
                 <a:effectLst/>
                 <a:latin typeface="Helvetica Neue"/>
               </a:rPr>
               <a:t>max_salary</a:t>
             </a:r>
             <a:r>
-              <a:rPr lang="en-US" b="0" i="0" dirty="0">
+              <a:rPr lang="en-US" b="0" i="0">
                 <a:effectLst/>
                 <a:latin typeface="Helvetica Neue"/>
               </a:rPr>
               <a:t> and </a:t>
             </a:r>
             <a:r>
-              <a:rPr lang="en-US" b="0" i="0" dirty="0" err="1">
+              <a:rPr lang="en-US" b="0" i="0" err="1">
                 <a:effectLst/>
                 <a:latin typeface="Helvetica Neue"/>
               </a:rPr>
               <a:t>avg_salary</a:t>
             </a:r>
             <a:r>
-              <a:rPr lang="en-US" b="0" i="0" dirty="0">
+              <a:rPr lang="en-US" b="0" i="0">
                 <a:effectLst/>
                 <a:latin typeface="Helvetica Neue"/>
               </a:rPr>
@@ -8371,7 +8445,7 @@
               <a:buAutoNum type="arabicPeriod"/>
             </a:pPr>
             <a:r>
-              <a:rPr lang="en-US" b="0" i="0" dirty="0">
+              <a:rPr lang="en-US" b="0" i="0">
                 <a:effectLst/>
                 <a:latin typeface="Helvetica Neue"/>
               </a:rPr>
@@ -8384,7 +8458,7 @@
               <a:buAutoNum type="arabicPeriod"/>
             </a:pPr>
             <a:r>
-              <a:rPr lang="en-US" b="0" i="0" dirty="0">
+              <a:rPr lang="en-US" b="0" i="0">
                 <a:effectLst/>
                 <a:latin typeface="Helvetica Neue"/>
               </a:rPr>
@@ -8397,7 +8471,7 @@
               <a:buAutoNum type="arabicPeriod"/>
             </a:pPr>
             <a:r>
-              <a:rPr lang="en-US" b="0" i="0" dirty="0">
+              <a:rPr lang="en-US" b="0" i="0">
                 <a:effectLst/>
                 <a:latin typeface="Helvetica Neue"/>
               </a:rPr>
@@ -8410,21 +8484,21 @@
               <a:buAutoNum type="arabicPeriod"/>
             </a:pPr>
             <a:r>
-              <a:rPr lang="en-US" b="0" i="0" dirty="0">
+              <a:rPr lang="en-US" b="0" i="0">
                 <a:effectLst/>
                 <a:latin typeface="Helvetica Neue"/>
               </a:rPr>
               <a:t>Location can be divided into Location and </a:t>
             </a:r>
             <a:r>
-              <a:rPr lang="en-US" b="0" i="0" dirty="0" err="1">
+              <a:rPr lang="en-US" b="0" i="0" err="1">
                 <a:effectLst/>
                 <a:latin typeface="Helvetica Neue"/>
               </a:rPr>
               <a:t>Location_State</a:t>
             </a:r>
             <a:r>
-              <a:rPr lang="en-US" b="0" i="0" dirty="0">
+              <a:rPr lang="en-US" b="0" i="0">
                 <a:effectLst/>
                 <a:latin typeface="Helvetica Neue"/>
               </a:rPr>
@@ -8437,21 +8511,21 @@
               <a:buAutoNum type="arabicPeriod"/>
             </a:pPr>
             <a:r>
-              <a:rPr lang="en-US" b="0" i="0" dirty="0">
+              <a:rPr lang="en-US" b="0" i="0">
                 <a:effectLst/>
                 <a:latin typeface="Helvetica Neue"/>
               </a:rPr>
               <a:t>Headquarters can be divided into Headquarters and </a:t>
             </a:r>
             <a:r>
-              <a:rPr lang="en-US" b="0" i="0" dirty="0" err="1">
+              <a:rPr lang="en-US" b="0" i="0" err="1">
                 <a:effectLst/>
                 <a:latin typeface="Helvetica Neue"/>
               </a:rPr>
               <a:t>Headquarters_State</a:t>
             </a:r>
             <a:r>
-              <a:rPr lang="en-US" b="0" i="0" dirty="0">
+              <a:rPr lang="en-US" b="0" i="0">
                 <a:effectLst/>
                 <a:latin typeface="Helvetica Neue"/>
               </a:rPr>
@@ -8464,7 +8538,7 @@
               <a:buAutoNum type="arabicPeriod"/>
             </a:pPr>
             <a:r>
-              <a:rPr lang="en-US" b="0" i="0" dirty="0">
+              <a:rPr lang="en-US" b="0" i="0">
                 <a:effectLst/>
                 <a:latin typeface="Helvetica Neue"/>
               </a:rPr>
@@ -8477,7 +8551,7 @@
               <a:buAutoNum type="arabicPeriod"/>
             </a:pPr>
             <a:r>
-              <a:rPr lang="en-US" b="0" i="0" dirty="0">
+              <a:rPr lang="en-US" b="0" i="0">
                 <a:effectLst/>
                 <a:latin typeface="Helvetica Neue"/>
               </a:rPr>
@@ -8490,21 +8564,21 @@
               <a:buAutoNum type="arabicPeriod"/>
             </a:pPr>
             <a:r>
-              <a:rPr lang="en-US" b="0" i="0" dirty="0">
+              <a:rPr lang="en-US" b="0" i="0">
                 <a:effectLst/>
                 <a:latin typeface="Helvetica Neue"/>
               </a:rPr>
               <a:t>Type of Ownership, </a:t>
             </a:r>
             <a:r>
-              <a:rPr lang="en-US" b="0" i="0" dirty="0" err="1">
+              <a:rPr lang="en-US" b="0" i="0" err="1">
                 <a:effectLst/>
                 <a:latin typeface="Helvetica Neue"/>
               </a:rPr>
               <a:t>Industy</a:t>
             </a:r>
             <a:r>
-              <a:rPr lang="en-US" b="0" i="0" dirty="0">
+              <a:rPr lang="en-US" b="0" i="0">
                 <a:effectLst/>
                 <a:latin typeface="Helvetica Neue"/>
               </a:rPr>
@@ -8517,21 +8591,21 @@
               <a:buAutoNum type="arabicPeriod"/>
             </a:pPr>
             <a:r>
-              <a:rPr lang="en-US" b="0" i="0" dirty="0">
+              <a:rPr lang="en-US" b="0" i="0">
                 <a:effectLst/>
                 <a:latin typeface="Helvetica Neue"/>
               </a:rPr>
               <a:t>Revenue can be divided into 2 columns where revenue will stay as string and </a:t>
             </a:r>
             <a:r>
-              <a:rPr lang="en-US" b="0" i="0" dirty="0" err="1">
+              <a:rPr lang="en-US" b="0" i="0" err="1">
                 <a:effectLst/>
                 <a:latin typeface="Helvetica Neue"/>
               </a:rPr>
               <a:t>revenue_average</a:t>
             </a:r>
             <a:r>
-              <a:rPr lang="en-US" b="0" i="0" dirty="0">
+              <a:rPr lang="en-US" b="0" i="0">
                 <a:effectLst/>
                 <a:latin typeface="Helvetica Neue"/>
               </a:rPr>
@@ -8544,7 +8618,7 @@
               <a:buAutoNum type="arabicPeriod"/>
             </a:pPr>
             <a:r>
-              <a:rPr lang="en-US" b="0" i="0" dirty="0">
+              <a:rPr lang="en-US" b="0" i="0">
                 <a:effectLst/>
                 <a:latin typeface="Helvetica Neue"/>
               </a:rPr>
